--- a/03 Technology and Costs.pptx
+++ b/03 Technology and Costs.pptx
@@ -235,7 +235,7 @@
           <a:p>
             <a:fld id="{C1B09896-9F37-8949-B478-36BBCBCD5339}" type="datetimeFigureOut">
               <a:rPr lang="en-US" smtClean="0"/>
-              <a:t>9/21/21</a:t>
+              <a:t>10/2/21</a:t>
             </a:fld>
             <a:endParaRPr lang="en-US"/>
           </a:p>
@@ -3527,7 +3527,7 @@
             <a:fld id="{CCBEB372-AF32-C642-9DDD-239D8704FBC0}" type="datetimeFigureOut">
               <a:rPr lang="en-US" smtClean="0"/>
               <a:pPr/>
-              <a:t>9/21/21</a:t>
+              <a:t>10/2/21</a:t>
             </a:fld>
             <a:endParaRPr lang="en-US" dirty="0"/>
           </a:p>
@@ -4107,7 +4107,7 @@
             </a:pPr>
             <a:r>
               <a:rPr lang="en-US" dirty="0"/>
-              <a:t>September 22, 2020</a:t>
+              <a:t>September 22, 2021</a:t>
             </a:r>
             <a:endParaRPr dirty="0"/>
           </a:p>
